--- a/test/test-zh.pptx
+++ b/test/test-zh.pptx
@@ -212,7 +212,7 @@
           <a:p>
             <a:fld id="{4AAAF045-FEF6-43EA-9CDC-C84FC3F85E9C}" type="datetimeFigureOut">
               <a:rPr lang="en-US" smtClean="0"/>
-              <a:t>1/24/25</a:t>
+              <a:t>2/14/25</a:t>
             </a:fld>
             <a:endParaRPr lang="en-US"/>
           </a:p>
@@ -529,7 +529,7 @@
             </a:r>
             <a:r>
               <a:rPr lang="zh-CN" altLang="en-US" dirty="0"/>
-              <a:t>时</a:t>
+              <a:t>是</a:t>
             </a:r>
             <a:r>
               <a:rPr lang="zh-CN" altLang="en-US" b="0" i="0" dirty="0">
@@ -786,6 +786,23 @@
             <a:endParaRPr lang="en-US" altLang="zh-CN" dirty="0"/>
           </a:p>
           <a:p>
+            <a:pPr marL="0" marR="0" lvl="0" indent="0" algn="l" defTabSz="914400" rtl="0" eaLnBrk="1" fontAlgn="auto" latinLnBrk="0" hangingPunct="1">
+              <a:lnSpc>
+                <a:spcPct val="100000"/>
+              </a:lnSpc>
+              <a:spcBef>
+                <a:spcPts val="0"/>
+              </a:spcBef>
+              <a:spcAft>
+                <a:spcPts val="0"/>
+              </a:spcAft>
+              <a:buClrTx/>
+              <a:buSzTx/>
+              <a:buFontTx/>
+              <a:buNone/>
+              <a:tabLst/>
+              <a:defRPr/>
+            </a:pPr>
             <a:r>
               <a:rPr lang="zh-CN" altLang="en-US" dirty="0"/>
               <a:t>第一，点击“选择</a:t>
@@ -796,17 +813,33 @@
             </a:r>
             <a:r>
               <a:rPr lang="zh-CN" altLang="en-US" dirty="0"/>
-              <a:t>按钮以加载您的</a:t>
+              <a:t>按钮</a:t>
             </a:r>
             <a:r>
               <a:rPr lang="en-US" altLang="zh-CN" dirty="0"/>
-              <a:t>PPT</a:t>
+              <a:t>,</a:t>
             </a:r>
             <a:r>
-              <a:rPr lang="zh-CN" altLang="en-US" dirty="0"/>
+              <a:rPr lang="zh-CN" altLang="en-US" b="0" dirty="0">
+                <a:solidFill>
+                  <a:srgbClr val="000000"/>
+                </a:solidFill>
+                <a:effectLst/>
+                <a:latin typeface="Menlo" panose="020B0609030804020204" pitchFamily="49" charset="0"/>
+              </a:rPr>
+              <a:t>加载已经添加好演讲者备注的</a:t>
+            </a:r>
+            <a:r>
+              <a:rPr lang="zh-CN" altLang="en-US" b="0">
+                <a:solidFill>
+                  <a:srgbClr val="000000"/>
+                </a:solidFill>
+                <a:effectLst/>
+                <a:latin typeface="Menlo" panose="020B0609030804020204" pitchFamily="49" charset="0"/>
+              </a:rPr>
               <a:t>演示文稿。</a:t>
             </a:r>
-            <a:endParaRPr lang="en-US" altLang="zh-CN" dirty="0"/>
+            <a:endParaRPr lang="en-US" altLang="zh-CN"/>
           </a:p>
           <a:p>
             <a:r>
@@ -840,7 +873,7 @@
                 <a:effectLst/>
                 <a:latin typeface="ui-sans-serif"/>
               </a:rPr>
-              <a:t>第四，播放视频，确保一切内容看起来和听起来都符合预期。</a:t>
+              <a:t>第四，播放视频，确保视听效果符合预期。</a:t>
             </a:r>
           </a:p>
         </p:txBody>
